--- a/ws12.pptx
+++ b/ws12.pptx
@@ -262,7 +262,7 @@
               <a:pPr>
                 <a:defRPr/>
               </a:pPr>
-              <a:t>2/6/20</a:t>
+              <a:t>3/6/20</a:t>
             </a:fld>
             <a:endParaRPr lang="en-US"/>
           </a:p>
@@ -460,7 +460,7 @@
               <a:pPr>
                 <a:defRPr/>
               </a:pPr>
-              <a:t>2/6/20</a:t>
+              <a:t>3/6/20</a:t>
             </a:fld>
             <a:endParaRPr lang="en-US"/>
           </a:p>
@@ -1019,7 +1019,7 @@
             </a:r>
             <a:fld id="{34199234-A25A-904C-9B74-56A4A07707A6}" type="datetime4">
               <a:rPr lang="en-AU" smtClean="0"/>
-              <a:t>June 2, 2020</a:t>
+              <a:t>June 3, 2020</a:t>
             </a:fld>
             <a:endParaRPr lang="en-US" dirty="0"/>
           </a:p>
@@ -1331,7 +1331,7 @@
             </a:r>
             <a:fld id="{A9DEA08E-4CB3-E742-9AC2-43959A293033}" type="datetime4">
               <a:rPr lang="en-AU" smtClean="0"/>
-              <a:t>June 2, 2020</a:t>
+              <a:t>June 3, 2020</a:t>
             </a:fld>
             <a:endParaRPr lang="en-US" dirty="0"/>
           </a:p>
@@ -1633,7 +1633,7 @@
             </a:r>
             <a:fld id="{C36B4625-443B-BA4A-9C4D-9655F853EDD2}" type="datetime4">
               <a:rPr lang="en-AU" smtClean="0"/>
-              <a:t>June 2, 2020</a:t>
+              <a:t>June 3, 2020</a:t>
             </a:fld>
             <a:endParaRPr lang="en-US" dirty="0"/>
           </a:p>
@@ -2290,11 +2290,14 @@
               <a:t>COMP20007 Workshop Week </a:t>
             </a:r>
             <a:r>
-              <a:rPr lang="en-US" dirty="0">
+              <a:rPr lang="en-US" dirty="0" smtClean="0">
                 <a:latin typeface="News Gothic MT" charset="0"/>
               </a:rPr>
-              <a:t>8</a:t>
-            </a:r>
+              <a:t>12</a:t>
+            </a:r>
+            <a:endParaRPr lang="en-US" dirty="0">
+              <a:latin typeface="News Gothic MT" charset="0"/>
+            </a:endParaRPr>
           </a:p>
         </p:txBody>
       </p:sp>
@@ -2456,7 +2459,7 @@
                   <a:schemeClr val="bg1"/>
                 </a:solidFill>
               </a:rPr>
-              <a:t>June 2, 2020</a:t>
+              <a:t>June 3, 2020</a:t>
             </a:fld>
             <a:endParaRPr lang="en-US" sz="1200" dirty="0">
               <a:solidFill>
@@ -2893,7 +2896,6 @@
                         <a:rPr lang="en-US" sz="2400" b="0" dirty="0" smtClean="0"/>
                         <a:t>5</a:t>
                       </a:r>
-                      <a:endParaRPr lang="en-US" sz="2400" b="0" dirty="0" smtClean="0"/>
                     </a:p>
                     <a:p>
                       <a:pPr>
@@ -2947,7 +2949,6 @@
                         <a:rPr lang="en-US" sz="2400" b="1" baseline="0" dirty="0" smtClean="0"/>
                         <a:t>Transitive Closure, problem T1</a:t>
                       </a:r>
-                      <a:endParaRPr lang="en-US" sz="2400" b="1" baseline="0" dirty="0" smtClean="0"/>
                     </a:p>
                     <a:p>
                       <a:pPr>
@@ -2967,7 +2968,6 @@
                         <a:rPr lang="en-US" sz="2400" b="1" baseline="0" dirty="0" smtClean="0"/>
                         <a:t>, Floyd’s</a:t>
                       </a:r>
-                      <a:endParaRPr lang="en-US" sz="2400" b="1" baseline="0" dirty="0" smtClean="0"/>
                     </a:p>
                     <a:p>
                       <a:pPr>
@@ -2977,11 +2977,7 @@
                       </a:pPr>
                       <a:r>
                         <a:rPr lang="en-US" sz="2400" b="1" baseline="0" dirty="0" smtClean="0"/>
-                        <a:t>DP: Problem T5 Baked </a:t>
-                      </a:r>
-                      <a:r>
-                        <a:rPr lang="en-US" sz="2400" b="1" baseline="0" dirty="0" smtClean="0"/>
-                        <a:t>Bean Bundles</a:t>
+                        <a:t>DP: Problem T5 Baked Bean Bundles</a:t>
                       </a:r>
                     </a:p>
                     <a:p>
@@ -3011,15 +3007,7 @@
                       </a:pPr>
                       <a:r>
                         <a:rPr lang="en-US" sz="2400" b="1" baseline="0" dirty="0" smtClean="0"/>
-                        <a:t>T5</a:t>
-                      </a:r>
-                      <a:r>
-                        <a:rPr lang="en-US" sz="2400" b="1" baseline="0" dirty="0" smtClean="0"/>
-                        <a:t>: Revision: </a:t>
-                      </a:r>
-                      <a:r>
-                        <a:rPr lang="en-US" sz="2400" b="1" baseline="0" dirty="0" smtClean="0"/>
-                        <a:t>quicksort &amp; top-down </a:t>
+                        <a:t>T5: Revision: quicksort &amp; top-down </a:t>
                       </a:r>
                       <a:r>
                         <a:rPr lang="en-US" sz="2400" b="1" baseline="0" dirty="0" err="1" smtClean="0"/>
@@ -3045,7 +3033,6 @@
                         <a:rPr lang="en-US" sz="2400" b="1" baseline="0" dirty="0" smtClean="0"/>
                         <a:t>LAB: </a:t>
                       </a:r>
-                      <a:endParaRPr lang="en-US" sz="2400" b="1" baseline="0" dirty="0" smtClean="0"/>
                     </a:p>
                     <a:p>
                       <a:pPr>
@@ -3066,11 +3053,7 @@
                       </a:pPr>
                       <a:r>
                         <a:rPr lang="en-US" sz="2400" b="1" baseline="0" dirty="0" smtClean="0"/>
-                        <a:t>baked </a:t>
-                      </a:r>
-                      <a:r>
-                        <a:rPr lang="en-US" sz="2400" b="1" baseline="0" dirty="0" smtClean="0"/>
-                        <a:t>bean bundles (implementation)</a:t>
+                        <a:t>baked bean bundles (implementation)</a:t>
                       </a:r>
                     </a:p>
                   </a:txBody>
@@ -3135,11 +3118,7 @@
           <a:p>
             <a:r>
               <a:rPr lang="en-US" sz="2800" dirty="0" smtClean="0"/>
-              <a:t>DP for APSP: </a:t>
-            </a:r>
-            <a:r>
-              <a:rPr lang="en-US" sz="2800" dirty="0" smtClean="0"/>
-              <a:t>Floyd’s Algorithm</a:t>
+              <a:t>DP for APSP: Floyd’s Algorithm</a:t>
             </a:r>
             <a:endParaRPr lang="en-US" sz="2800" dirty="0"/>
           </a:p>
@@ -3176,11 +3155,7 @@
           <a:p>
             <a:r>
               <a:rPr lang="en-US" sz="2400" dirty="0" smtClean="0"/>
-              <a:t>Main idea:  if </a:t>
-            </a:r>
-            <a:r>
-              <a:rPr lang="en-US" sz="2400" dirty="0" smtClean="0"/>
-              <a:t>we have shortest paths for </a:t>
+              <a:t>Main idea:  if we have shortest paths for </a:t>
             </a:r>
             <a:r>
               <a:rPr lang="en-US" sz="2400" dirty="0" err="1" smtClean="0"/>
@@ -3276,7 +3251,7 @@
             </a:r>
             <a:fld id="{A9DEA08E-4CB3-E742-9AC2-43959A293033}" type="datetime4">
               <a:rPr lang="en-AU" smtClean="0"/>
-              <a:t>June 2, 2020</a:t>
+              <a:t>June 3, 2020</a:t>
             </a:fld>
             <a:endParaRPr lang="en-US" dirty="0"/>
           </a:p>
@@ -3542,15 +3517,7 @@
           <a:p>
             <a:r>
               <a:rPr lang="en-US" dirty="0" smtClean="0"/>
-              <a:t>DP</a:t>
-            </a:r>
-            <a:r>
-              <a:rPr lang="en-US" dirty="0" smtClean="0"/>
-              <a:t>: </a:t>
-            </a:r>
-            <a:r>
-              <a:rPr lang="en-US" dirty="0" smtClean="0"/>
-              <a:t>Floyd’s Algorithm (APSP)</a:t>
+              <a:t>DP: Floyd’s Algorithm (APSP)</a:t>
             </a:r>
             <a:endParaRPr lang="en-US" dirty="0"/>
           </a:p>
@@ -3807,7 +3774,7 @@
             </a:r>
             <a:fld id="{A9DEA08E-4CB3-E742-9AC2-43959A293033}" type="datetime4">
               <a:rPr lang="en-AU" smtClean="0"/>
-              <a:t>June 2, 2020</a:t>
+              <a:t>June 3, 2020</a:t>
             </a:fld>
             <a:endParaRPr lang="en-US" dirty="0"/>
           </a:p>
@@ -4192,7 +4159,7 @@
             </a:r>
             <a:fld id="{A9DEA08E-4CB3-E742-9AC2-43959A293033}" type="datetime4">
               <a:rPr lang="en-AU" smtClean="0"/>
-              <a:t>June 2, 2020</a:t>
+              <a:t>June 3, 2020</a:t>
             </a:fld>
             <a:endParaRPr lang="en-US" dirty="0"/>
           </a:p>
@@ -6224,7 +6191,7 @@
             </a:r>
             <a:fld id="{A9DEA08E-4CB3-E742-9AC2-43959A293033}" type="datetime4">
               <a:rPr lang="en-AU" smtClean="0"/>
-              <a:t>June 2, 2020</a:t>
+              <a:t>June 3, 2020</a:t>
             </a:fld>
             <a:endParaRPr lang="en-US" dirty="0"/>
           </a:p>
@@ -6520,7 +6487,7 @@
             </a:r>
             <a:fld id="{A9DEA08E-4CB3-E742-9AC2-43959A293033}" type="datetime4">
               <a:rPr lang="en-AU" smtClean="0"/>
-              <a:t>June 2, 2020</a:t>
+              <a:t>June 3, 2020</a:t>
             </a:fld>
             <a:endParaRPr lang="en-US" dirty="0"/>
           </a:p>
@@ -7066,11 +7033,7 @@
             </a:pPr>
             <a:r>
               <a:rPr lang="en-US" sz="2400" dirty="0" smtClean="0"/>
-              <a:t>Related </a:t>
-            </a:r>
-            <a:r>
-              <a:rPr lang="en-US" sz="2400" dirty="0" smtClean="0"/>
-              <a:t>Tasks:</a:t>
+              <a:t>Related Tasks:</a:t>
             </a:r>
           </a:p>
           <a:p>
@@ -7112,7 +7075,7 @@
             </a:r>
             <a:fld id="{A9DEA08E-4CB3-E742-9AC2-43959A293033}" type="datetime4">
               <a:rPr lang="en-AU" smtClean="0"/>
-              <a:t>June 2, 2020</a:t>
+              <a:t>June 3, 2020</a:t>
             </a:fld>
             <a:endParaRPr lang="en-US" dirty="0"/>
           </a:p>
@@ -7911,11 +7874,7 @@
           <a:p>
             <a:r>
               <a:rPr lang="en-US" sz="2800" dirty="0" smtClean="0"/>
-              <a:t>T1: Transitive </a:t>
-            </a:r>
-            <a:r>
-              <a:rPr lang="en-US" sz="2800" dirty="0" smtClean="0"/>
-              <a:t>Closure of digraphs</a:t>
+              <a:t>T1: Transitive Closure of digraphs</a:t>
             </a:r>
             <a:endParaRPr lang="en-US" sz="2800" dirty="0"/>
           </a:p>
@@ -7960,7 +7919,6 @@
               <a:rPr lang="en-US" dirty="0" smtClean="0"/>
               <a:t>              (a)                                               (b)</a:t>
             </a:r>
-            <a:endParaRPr lang="en-US" dirty="0" smtClean="0"/>
           </a:p>
           <a:p>
             <a:pPr marL="0" indent="0">
@@ -8000,7 +7958,7 @@
             </a:r>
             <a:fld id="{A9DEA08E-4CB3-E742-9AC2-43959A293033}" type="datetime4">
               <a:rPr lang="en-AU" smtClean="0"/>
-              <a:t>June 2, 2020</a:t>
+              <a:t>June 3, 2020</a:t>
             </a:fld>
             <a:endParaRPr lang="en-US" dirty="0"/>
           </a:p>
@@ -8161,11 +8119,7 @@
           <a:p>
             <a:r>
               <a:rPr lang="en-US" sz="2800" dirty="0" smtClean="0"/>
-              <a:t>Dynamic </a:t>
-            </a:r>
-            <a:r>
-              <a:rPr lang="en-US" sz="2800" dirty="0" smtClean="0"/>
-              <a:t>Programming </a:t>
+              <a:t>Dynamic Programming </a:t>
             </a:r>
             <a:r>
               <a:rPr lang="mr-IN" sz="2800" dirty="0" smtClean="0"/>
@@ -8264,7 +8218,7 @@
             </a:r>
             <a:fld id="{A9DEA08E-4CB3-E742-9AC2-43959A293033}" type="datetime4">
               <a:rPr lang="en-AU" smtClean="0"/>
-              <a:t>June 2, 2020</a:t>
+              <a:t>June 3, 2020</a:t>
             </a:fld>
             <a:endParaRPr lang="en-US" dirty="0"/>
           </a:p>
@@ -8592,7 +8546,7 @@
             </a:r>
             <a:fld id="{A9DEA08E-4CB3-E742-9AC2-43959A293033}" type="datetime4">
               <a:rPr lang="en-AU" smtClean="0"/>
-              <a:t>June 2, 2020</a:t>
+              <a:t>June 3, 2020</a:t>
             </a:fld>
             <a:endParaRPr lang="en-US" dirty="0"/>
           </a:p>
@@ -8725,7 +8679,6 @@
               <a:rPr lang="en-US" dirty="0" smtClean="0"/>
               <a:t>Fibonacci: find fib(n)</a:t>
             </a:r>
-            <a:endParaRPr lang="en-US" dirty="0" smtClean="0"/>
           </a:p>
           <a:p>
             <a:r>
@@ -8777,7 +8730,7 @@
             </a:r>
             <a:fld id="{A9DEA08E-4CB3-E742-9AC2-43959A293033}" type="datetime4">
               <a:rPr lang="en-AU" smtClean="0"/>
-              <a:t>June 2, 2020</a:t>
+              <a:t>June 3, 2020</a:t>
             </a:fld>
             <a:endParaRPr lang="en-US" dirty="0"/>
           </a:p>
